--- a/schema.pptx
+++ b/schema.pptx
@@ -104,6 +104,11 @@
       </a:defRPr>
     </a:lvl9pPr>
   </p:defaultTextStyle>
+  <p:extLst>
+    <p:ext uri="{EFAFB233-063F-42B5-8137-9DF3F51BA10A}">
+      <p15:sldGuideLst xmlns:p15="http://schemas.microsoft.com/office/powerpoint/2012/main"/>
+    </p:ext>
+  </p:extLst>
 </p:presentation>
 </file>
 
@@ -254,7 +259,7 @@
           <a:p>
             <a:fld id="{5B89C972-6EE5-4A92-B4EF-8E01A62DBBBF}" type="datetimeFigureOut">
               <a:rPr lang="en-US" smtClean="0"/>
-              <a:t>8/7/2018</a:t>
+              <a:t>8/8/2018</a:t>
             </a:fld>
             <a:endParaRPr lang="en-US"/>
           </a:p>
@@ -452,7 +457,7 @@
           <a:p>
             <a:fld id="{5B89C972-6EE5-4A92-B4EF-8E01A62DBBBF}" type="datetimeFigureOut">
               <a:rPr lang="en-US" smtClean="0"/>
-              <a:t>8/7/2018</a:t>
+              <a:t>8/8/2018</a:t>
             </a:fld>
             <a:endParaRPr lang="en-US"/>
           </a:p>
@@ -660,7 +665,7 @@
           <a:p>
             <a:fld id="{5B89C972-6EE5-4A92-B4EF-8E01A62DBBBF}" type="datetimeFigureOut">
               <a:rPr lang="en-US" smtClean="0"/>
-              <a:t>8/7/2018</a:t>
+              <a:t>8/8/2018</a:t>
             </a:fld>
             <a:endParaRPr lang="en-US"/>
           </a:p>
@@ -858,7 +863,7 @@
           <a:p>
             <a:fld id="{5B89C972-6EE5-4A92-B4EF-8E01A62DBBBF}" type="datetimeFigureOut">
               <a:rPr lang="en-US" smtClean="0"/>
-              <a:t>8/7/2018</a:t>
+              <a:t>8/8/2018</a:t>
             </a:fld>
             <a:endParaRPr lang="en-US"/>
           </a:p>
@@ -1133,7 +1138,7 @@
           <a:p>
             <a:fld id="{5B89C972-6EE5-4A92-B4EF-8E01A62DBBBF}" type="datetimeFigureOut">
               <a:rPr lang="en-US" smtClean="0"/>
-              <a:t>8/7/2018</a:t>
+              <a:t>8/8/2018</a:t>
             </a:fld>
             <a:endParaRPr lang="en-US"/>
           </a:p>
@@ -1398,7 +1403,7 @@
           <a:p>
             <a:fld id="{5B89C972-6EE5-4A92-B4EF-8E01A62DBBBF}" type="datetimeFigureOut">
               <a:rPr lang="en-US" smtClean="0"/>
-              <a:t>8/7/2018</a:t>
+              <a:t>8/8/2018</a:t>
             </a:fld>
             <a:endParaRPr lang="en-US"/>
           </a:p>
@@ -1810,7 +1815,7 @@
           <a:p>
             <a:fld id="{5B89C972-6EE5-4A92-B4EF-8E01A62DBBBF}" type="datetimeFigureOut">
               <a:rPr lang="en-US" smtClean="0"/>
-              <a:t>8/7/2018</a:t>
+              <a:t>8/8/2018</a:t>
             </a:fld>
             <a:endParaRPr lang="en-US"/>
           </a:p>
@@ -1951,7 +1956,7 @@
           <a:p>
             <a:fld id="{5B89C972-6EE5-4A92-B4EF-8E01A62DBBBF}" type="datetimeFigureOut">
               <a:rPr lang="en-US" smtClean="0"/>
-              <a:t>8/7/2018</a:t>
+              <a:t>8/8/2018</a:t>
             </a:fld>
             <a:endParaRPr lang="en-US"/>
           </a:p>
@@ -2064,7 +2069,7 @@
           <a:p>
             <a:fld id="{5B89C972-6EE5-4A92-B4EF-8E01A62DBBBF}" type="datetimeFigureOut">
               <a:rPr lang="en-US" smtClean="0"/>
-              <a:t>8/7/2018</a:t>
+              <a:t>8/8/2018</a:t>
             </a:fld>
             <a:endParaRPr lang="en-US"/>
           </a:p>
@@ -2375,7 +2380,7 @@
           <a:p>
             <a:fld id="{5B89C972-6EE5-4A92-B4EF-8E01A62DBBBF}" type="datetimeFigureOut">
               <a:rPr lang="en-US" smtClean="0"/>
-              <a:t>8/7/2018</a:t>
+              <a:t>8/8/2018</a:t>
             </a:fld>
             <a:endParaRPr lang="en-US"/>
           </a:p>
@@ -2663,7 +2668,7 @@
           <a:p>
             <a:fld id="{5B89C972-6EE5-4A92-B4EF-8E01A62DBBBF}" type="datetimeFigureOut">
               <a:rPr lang="en-US" smtClean="0"/>
-              <a:t>8/7/2018</a:t>
+              <a:t>8/8/2018</a:t>
             </a:fld>
             <a:endParaRPr lang="en-US"/>
           </a:p>
@@ -2904,7 +2909,7 @@
           <a:p>
             <a:fld id="{5B89C972-6EE5-4A92-B4EF-8E01A62DBBBF}" type="datetimeFigureOut">
               <a:rPr lang="en-US" smtClean="0"/>
-              <a:t>8/7/2018</a:t>
+              <a:t>8/8/2018</a:t>
             </a:fld>
             <a:endParaRPr lang="en-US"/>
           </a:p>
@@ -3518,9 +3523,10 @@
             <a:p>
               <a:pPr algn="ctr"/>
               <a:r>
-                <a:rPr lang="en-US" dirty="0"/>
-                <a:t>image_parser.py</a:t>
+                <a:rPr lang="en-US" dirty="0" err="1"/>
+                <a:t>ImageParser</a:t>
               </a:r>
+              <a:endParaRPr lang="en-US" dirty="0"/>
             </a:p>
           </p:txBody>
         </p:sp>
@@ -3583,80 +3589,6 @@
           </p:txBody>
         </p:sp>
       </p:grpSp>
-      <p:sp>
-        <p:nvSpPr>
-          <p:cNvPr id="266" name="Speech Bubble: Rectangle with Corners Rounded 265">
-            <a:extLst>
-              <a:ext uri="{FF2B5EF4-FFF2-40B4-BE49-F238E27FC236}">
-                <a16:creationId xmlns:a16="http://schemas.microsoft.com/office/drawing/2014/main" id="{B02D15BA-FC21-416B-A301-3A779C1E688B}"/>
-              </a:ext>
-            </a:extLst>
-          </p:cNvPr>
-          <p:cNvSpPr/>
-          <p:nvPr/>
-        </p:nvSpPr>
-        <p:spPr>
-          <a:xfrm>
-            <a:off x="3120737" y="143627"/>
-            <a:ext cx="1448352" cy="341801"/>
-          </a:xfrm>
-          <a:prstGeom prst="wedgeRoundRectCallout">
-            <a:avLst>
-              <a:gd name="adj1" fmla="val 1313"/>
-              <a:gd name="adj2" fmla="val 199231"/>
-              <a:gd name="adj3" fmla="val 16667"/>
-            </a:avLst>
-          </a:prstGeom>
-          <a:solidFill>
-            <a:schemeClr val="accent6">
-              <a:lumMod val="75000"/>
-            </a:schemeClr>
-          </a:solidFill>
-          <a:ln w="19050">
-            <a:solidFill>
-              <a:schemeClr val="accent6">
-                <a:lumMod val="50000"/>
-              </a:schemeClr>
-            </a:solidFill>
-          </a:ln>
-        </p:spPr>
-        <p:style>
-          <a:lnRef idx="2">
-            <a:schemeClr val="accent1">
-              <a:shade val="50000"/>
-            </a:schemeClr>
-          </a:lnRef>
-          <a:fillRef idx="1">
-            <a:schemeClr val="accent1"/>
-          </a:fillRef>
-          <a:effectRef idx="0">
-            <a:schemeClr val="accent1"/>
-          </a:effectRef>
-          <a:fontRef idx="minor">
-            <a:schemeClr val="lt1"/>
-          </a:fontRef>
-        </p:style>
-        <p:txBody>
-          <a:bodyPr rot="0" spcFirstLastPara="0" vertOverflow="overflow" horzOverflow="overflow" vert="horz" wrap="square" lIns="91440" tIns="45720" rIns="91440" bIns="45720" numCol="1" spcCol="0" rtlCol="0" fromWordArt="0" anchor="ctr" anchorCtr="0" forceAA="0" compatLnSpc="1">
-            <a:prstTxWarp prst="textNoShape">
-              <a:avLst/>
-            </a:prstTxWarp>
-            <a:noAutofit/>
-          </a:bodyPr>
-          <a:lstStyle/>
-          <a:p>
-            <a:pPr algn="ctr"/>
-            <a:r>
-              <a:rPr lang="en-US" sz="1600" dirty="0" err="1"/>
-              <a:t>numpy</a:t>
-            </a:r>
-            <a:r>
-              <a:rPr lang="en-US" sz="1600" dirty="0"/>
-              <a:t> array</a:t>
-            </a:r>
-          </a:p>
-        </p:txBody>
-      </p:sp>
       <p:sp>
         <p:nvSpPr>
           <p:cNvPr id="297" name="Rectangle: Rounded Corners 296">
@@ -5489,15 +5421,7 @@
               <a:noFill/>
             </a:ln>
             <a:effectLst/>
-            <a:extLst>
-              <a:ext uri="{909E8E84-426E-40DD-AFC4-6F175D3DCCD1}">
-                <a14:hiddenFill xmlns:a14="http://schemas.microsoft.com/office/drawing/2010/main">
-                  <a:solidFill>
-                    <a:srgbClr val="FFFFFF"/>
-                  </a:solidFill>
-                </a14:hiddenFill>
-              </a:ext>
-            </a:extLst>
+            <a:extLst/>
           </p:spPr>
         </p:pic>
         <p:sp>
@@ -5805,6 +5729,76 @@
                 </a:solidFill>
               </a:rPr>
               <a:t>@abstract</a:t>
+            </a:r>
+          </a:p>
+        </p:txBody>
+      </p:sp>
+      <p:sp>
+        <p:nvSpPr>
+          <p:cNvPr id="266" name="Rectangle: Rounded Corners 265">
+            <a:extLst>
+              <a:ext uri="{FF2B5EF4-FFF2-40B4-BE49-F238E27FC236}">
+                <a16:creationId xmlns:a16="http://schemas.microsoft.com/office/drawing/2014/main" id="{B02D15BA-FC21-416B-A301-3A779C1E688B}"/>
+              </a:ext>
+            </a:extLst>
+          </p:cNvPr>
+          <p:cNvSpPr/>
+          <p:nvPr/>
+        </p:nvSpPr>
+        <p:spPr>
+          <a:xfrm>
+            <a:off x="3215877" y="661816"/>
+            <a:ext cx="1282587" cy="341801"/>
+          </a:xfrm>
+          <a:prstGeom prst="roundRect">
+            <a:avLst/>
+          </a:prstGeom>
+          <a:solidFill>
+            <a:schemeClr val="accent6">
+              <a:lumMod val="75000"/>
+            </a:schemeClr>
+          </a:solidFill>
+          <a:ln w="19050">
+            <a:solidFill>
+              <a:schemeClr val="accent6">
+                <a:lumMod val="50000"/>
+              </a:schemeClr>
+            </a:solidFill>
+          </a:ln>
+        </p:spPr>
+        <p:style>
+          <a:lnRef idx="2">
+            <a:schemeClr val="accent1">
+              <a:shade val="50000"/>
+            </a:schemeClr>
+          </a:lnRef>
+          <a:fillRef idx="1">
+            <a:schemeClr val="accent1"/>
+          </a:fillRef>
+          <a:effectRef idx="0">
+            <a:schemeClr val="accent1"/>
+          </a:effectRef>
+          <a:fontRef idx="minor">
+            <a:schemeClr val="lt1"/>
+          </a:fontRef>
+        </p:style>
+        <p:txBody>
+          <a:bodyPr rot="0" spcFirstLastPara="0" vertOverflow="overflow" horzOverflow="overflow" vert="horz" wrap="square" lIns="91440" tIns="45720" rIns="91440" bIns="45720" numCol="1" spcCol="0" rtlCol="0" fromWordArt="0" anchor="ctr" anchorCtr="0" forceAA="0" compatLnSpc="1">
+            <a:prstTxWarp prst="textNoShape">
+              <a:avLst/>
+            </a:prstTxWarp>
+            <a:noAutofit/>
+          </a:bodyPr>
+          <a:lstStyle/>
+          <a:p>
+            <a:pPr algn="ctr"/>
+            <a:r>
+              <a:rPr lang="en-US" sz="1600" dirty="0" err="1"/>
+              <a:t>numpy</a:t>
+            </a:r>
+            <a:r>
+              <a:rPr lang="en-US" sz="1600" dirty="0"/>
+              <a:t> array</a:t>
             </a:r>
           </a:p>
         </p:txBody>
